--- a/SE-2016A-G08-项目介绍v3.1.0.pptx
+++ b/SE-2016A-G08-项目介绍v3.1.0.pptx
@@ -5,7 +5,7 @@
     <p:sldMasterId id="2147483660" r:id="rId1"/>
   </p:sldMasterIdLst>
   <p:notesMasterIdLst>
-    <p:notesMasterId r:id="rId40"/>
+    <p:notesMasterId r:id="rId39"/>
   </p:notesMasterIdLst>
   <p:sldIdLst>
     <p:sldId id="256" r:id="rId2"/>
@@ -23,29 +23,28 @@
     <p:sldId id="291" r:id="rId14"/>
     <p:sldId id="278" r:id="rId15"/>
     <p:sldId id="284" r:id="rId16"/>
-    <p:sldId id="279" r:id="rId17"/>
-    <p:sldId id="285" r:id="rId18"/>
-    <p:sldId id="286" r:id="rId19"/>
-    <p:sldId id="293" r:id="rId20"/>
-    <p:sldId id="309" r:id="rId21"/>
-    <p:sldId id="292" r:id="rId22"/>
-    <p:sldId id="294" r:id="rId23"/>
-    <p:sldId id="295" r:id="rId24"/>
-    <p:sldId id="296" r:id="rId25"/>
-    <p:sldId id="297" r:id="rId26"/>
-    <p:sldId id="298" r:id="rId27"/>
-    <p:sldId id="299" r:id="rId28"/>
-    <p:sldId id="300" r:id="rId29"/>
-    <p:sldId id="301" r:id="rId30"/>
-    <p:sldId id="302" r:id="rId31"/>
-    <p:sldId id="303" r:id="rId32"/>
-    <p:sldId id="304" r:id="rId33"/>
-    <p:sldId id="305" r:id="rId34"/>
-    <p:sldId id="306" r:id="rId35"/>
-    <p:sldId id="307" r:id="rId36"/>
-    <p:sldId id="308" r:id="rId37"/>
-    <p:sldId id="271" r:id="rId38"/>
-    <p:sldId id="269" r:id="rId39"/>
+    <p:sldId id="285" r:id="rId17"/>
+    <p:sldId id="286" r:id="rId18"/>
+    <p:sldId id="293" r:id="rId19"/>
+    <p:sldId id="309" r:id="rId20"/>
+    <p:sldId id="292" r:id="rId21"/>
+    <p:sldId id="294" r:id="rId22"/>
+    <p:sldId id="295" r:id="rId23"/>
+    <p:sldId id="296" r:id="rId24"/>
+    <p:sldId id="297" r:id="rId25"/>
+    <p:sldId id="298" r:id="rId26"/>
+    <p:sldId id="299" r:id="rId27"/>
+    <p:sldId id="300" r:id="rId28"/>
+    <p:sldId id="301" r:id="rId29"/>
+    <p:sldId id="302" r:id="rId30"/>
+    <p:sldId id="303" r:id="rId31"/>
+    <p:sldId id="304" r:id="rId32"/>
+    <p:sldId id="305" r:id="rId33"/>
+    <p:sldId id="306" r:id="rId34"/>
+    <p:sldId id="307" r:id="rId35"/>
+    <p:sldId id="308" r:id="rId36"/>
+    <p:sldId id="271" r:id="rId37"/>
+    <p:sldId id="269" r:id="rId38"/>
   </p:sldIdLst>
   <p:sldSz cx="12192000" cy="6858000"/>
   <p:notesSz cx="6858000" cy="9144000"/>
@@ -1347,7 +1346,7 @@
     </p:spTree>
     <p:extLst>
       <p:ext uri="{BB962C8B-B14F-4D97-AF65-F5344CB8AC3E}">
-        <p14:creationId xmlns:p14="http://schemas.microsoft.com/office/powerpoint/2010/main" val="4261237400"/>
+        <p14:creationId xmlns:p14="http://schemas.microsoft.com/office/powerpoint/2010/main" val="581204290"/>
       </p:ext>
     </p:extLst>
   </p:cSld>
@@ -1431,7 +1430,7 @@
     </p:spTree>
     <p:extLst>
       <p:ext uri="{BB962C8B-B14F-4D97-AF65-F5344CB8AC3E}">
-        <p14:creationId xmlns:p14="http://schemas.microsoft.com/office/powerpoint/2010/main" val="581204290"/>
+        <p14:creationId xmlns:p14="http://schemas.microsoft.com/office/powerpoint/2010/main" val="2211239514"/>
       </p:ext>
     </p:extLst>
   </p:cSld>
@@ -1515,7 +1514,7 @@
     </p:spTree>
     <p:extLst>
       <p:ext uri="{BB962C8B-B14F-4D97-AF65-F5344CB8AC3E}">
-        <p14:creationId xmlns:p14="http://schemas.microsoft.com/office/powerpoint/2010/main" val="2211239514"/>
+        <p14:creationId xmlns:p14="http://schemas.microsoft.com/office/powerpoint/2010/main" val="1990820476"/>
       </p:ext>
     </p:extLst>
   </p:cSld>
@@ -1599,7 +1598,7 @@
     </p:spTree>
     <p:extLst>
       <p:ext uri="{BB962C8B-B14F-4D97-AF65-F5344CB8AC3E}">
-        <p14:creationId xmlns:p14="http://schemas.microsoft.com/office/powerpoint/2010/main" val="1990820476"/>
+        <p14:creationId xmlns:p14="http://schemas.microsoft.com/office/powerpoint/2010/main" val="1160885090"/>
       </p:ext>
     </p:extLst>
   </p:cSld>
@@ -1683,7 +1682,7 @@
     </p:spTree>
     <p:extLst>
       <p:ext uri="{BB962C8B-B14F-4D97-AF65-F5344CB8AC3E}">
-        <p14:creationId xmlns:p14="http://schemas.microsoft.com/office/powerpoint/2010/main" val="1160885090"/>
+        <p14:creationId xmlns:p14="http://schemas.microsoft.com/office/powerpoint/2010/main" val="1793232378"/>
       </p:ext>
     </p:extLst>
   </p:cSld>
@@ -1851,7 +1850,7 @@
     </p:spTree>
     <p:extLst>
       <p:ext uri="{BB962C8B-B14F-4D97-AF65-F5344CB8AC3E}">
-        <p14:creationId xmlns:p14="http://schemas.microsoft.com/office/powerpoint/2010/main" val="1793232378"/>
+        <p14:creationId xmlns:p14="http://schemas.microsoft.com/office/powerpoint/2010/main" val="1778046250"/>
       </p:ext>
     </p:extLst>
   </p:cSld>
@@ -1935,7 +1934,7 @@
     </p:spTree>
     <p:extLst>
       <p:ext uri="{BB962C8B-B14F-4D97-AF65-F5344CB8AC3E}">
-        <p14:creationId xmlns:p14="http://schemas.microsoft.com/office/powerpoint/2010/main" val="1778046250"/>
+        <p14:creationId xmlns:p14="http://schemas.microsoft.com/office/powerpoint/2010/main" val="2419045579"/>
       </p:ext>
     </p:extLst>
   </p:cSld>
@@ -2019,7 +2018,7 @@
     </p:spTree>
     <p:extLst>
       <p:ext uri="{BB962C8B-B14F-4D97-AF65-F5344CB8AC3E}">
-        <p14:creationId xmlns:p14="http://schemas.microsoft.com/office/powerpoint/2010/main" val="2419045579"/>
+        <p14:creationId xmlns:p14="http://schemas.microsoft.com/office/powerpoint/2010/main" val="1786555869"/>
       </p:ext>
     </p:extLst>
   </p:cSld>
@@ -2103,7 +2102,7 @@
     </p:spTree>
     <p:extLst>
       <p:ext uri="{BB962C8B-B14F-4D97-AF65-F5344CB8AC3E}">
-        <p14:creationId xmlns:p14="http://schemas.microsoft.com/office/powerpoint/2010/main" val="1786555869"/>
+        <p14:creationId xmlns:p14="http://schemas.microsoft.com/office/powerpoint/2010/main" val="3926192560"/>
       </p:ext>
     </p:extLst>
   </p:cSld>
@@ -2187,7 +2186,7 @@
     </p:spTree>
     <p:extLst>
       <p:ext uri="{BB962C8B-B14F-4D97-AF65-F5344CB8AC3E}">
-        <p14:creationId xmlns:p14="http://schemas.microsoft.com/office/powerpoint/2010/main" val="3926192560"/>
+        <p14:creationId xmlns:p14="http://schemas.microsoft.com/office/powerpoint/2010/main" val="613335402"/>
       </p:ext>
     </p:extLst>
   </p:cSld>
@@ -2271,7 +2270,7 @@
     </p:spTree>
     <p:extLst>
       <p:ext uri="{BB962C8B-B14F-4D97-AF65-F5344CB8AC3E}">
-        <p14:creationId xmlns:p14="http://schemas.microsoft.com/office/powerpoint/2010/main" val="613335402"/>
+        <p14:creationId xmlns:p14="http://schemas.microsoft.com/office/powerpoint/2010/main" val="886888939"/>
       </p:ext>
     </p:extLst>
   </p:cSld>
@@ -2355,7 +2354,7 @@
     </p:spTree>
     <p:extLst>
       <p:ext uri="{BB962C8B-B14F-4D97-AF65-F5344CB8AC3E}">
-        <p14:creationId xmlns:p14="http://schemas.microsoft.com/office/powerpoint/2010/main" val="886888939"/>
+        <p14:creationId xmlns:p14="http://schemas.microsoft.com/office/powerpoint/2010/main" val="3439442383"/>
       </p:ext>
     </p:extLst>
   </p:cSld>
@@ -2439,7 +2438,7 @@
     </p:spTree>
     <p:extLst>
       <p:ext uri="{BB962C8B-B14F-4D97-AF65-F5344CB8AC3E}">
-        <p14:creationId xmlns:p14="http://schemas.microsoft.com/office/powerpoint/2010/main" val="3439442383"/>
+        <p14:creationId xmlns:p14="http://schemas.microsoft.com/office/powerpoint/2010/main" val="881433375"/>
       </p:ext>
     </p:extLst>
   </p:cSld>
@@ -2523,7 +2522,7 @@
     </p:spTree>
     <p:extLst>
       <p:ext uri="{BB962C8B-B14F-4D97-AF65-F5344CB8AC3E}">
-        <p14:creationId xmlns:p14="http://schemas.microsoft.com/office/powerpoint/2010/main" val="881433375"/>
+        <p14:creationId xmlns:p14="http://schemas.microsoft.com/office/powerpoint/2010/main" val="393218669"/>
       </p:ext>
     </p:extLst>
   </p:cSld>
@@ -2607,7 +2606,7 @@
     </p:spTree>
     <p:extLst>
       <p:ext uri="{BB962C8B-B14F-4D97-AF65-F5344CB8AC3E}">
-        <p14:creationId xmlns:p14="http://schemas.microsoft.com/office/powerpoint/2010/main" val="393218669"/>
+        <p14:creationId xmlns:p14="http://schemas.microsoft.com/office/powerpoint/2010/main" val="1054233036"/>
       </p:ext>
     </p:extLst>
   </p:cSld>
@@ -2901,7 +2900,7 @@
     </p:spTree>
     <p:extLst>
       <p:ext uri="{BB962C8B-B14F-4D97-AF65-F5344CB8AC3E}">
-        <p14:creationId xmlns:p14="http://schemas.microsoft.com/office/powerpoint/2010/main" val="1054233036"/>
+        <p14:creationId xmlns:p14="http://schemas.microsoft.com/office/powerpoint/2010/main" val="2902338682"/>
       </p:ext>
     </p:extLst>
   </p:cSld>
@@ -2985,7 +2984,7 @@
     </p:spTree>
     <p:extLst>
       <p:ext uri="{BB962C8B-B14F-4D97-AF65-F5344CB8AC3E}">
-        <p14:creationId xmlns:p14="http://schemas.microsoft.com/office/powerpoint/2010/main" val="2902338682"/>
+        <p14:creationId xmlns:p14="http://schemas.microsoft.com/office/powerpoint/2010/main" val="689581397"/>
       </p:ext>
     </p:extLst>
   </p:cSld>
@@ -3069,7 +3068,7 @@
     </p:spTree>
     <p:extLst>
       <p:ext uri="{BB962C8B-B14F-4D97-AF65-F5344CB8AC3E}">
-        <p14:creationId xmlns:p14="http://schemas.microsoft.com/office/powerpoint/2010/main" val="689581397"/>
+        <p14:creationId xmlns:p14="http://schemas.microsoft.com/office/powerpoint/2010/main" val="2739535474"/>
       </p:ext>
     </p:extLst>
   </p:cSld>
@@ -3153,7 +3152,7 @@
     </p:spTree>
     <p:extLst>
       <p:ext uri="{BB962C8B-B14F-4D97-AF65-F5344CB8AC3E}">
-        <p14:creationId xmlns:p14="http://schemas.microsoft.com/office/powerpoint/2010/main" val="2739535474"/>
+        <p14:creationId xmlns:p14="http://schemas.microsoft.com/office/powerpoint/2010/main" val="2419022248"/>
       </p:ext>
     </p:extLst>
   </p:cSld>
@@ -3229,90 +3228,6 @@
             <a:fld id="{B60579C6-2494-4AC0-8F06-8320AE55085C}" type="slidenum">
               <a:rPr lang="zh-CN" altLang="en-US" smtClean="0"/>
               <a:t>35</a:t>
-            </a:fld>
-            <a:endParaRPr lang="zh-CN" altLang="en-US"/>
-          </a:p>
-        </p:txBody>
-      </p:sp>
-    </p:spTree>
-    <p:extLst>
-      <p:ext uri="{BB962C8B-B14F-4D97-AF65-F5344CB8AC3E}">
-        <p14:creationId xmlns:p14="http://schemas.microsoft.com/office/powerpoint/2010/main" val="2419022248"/>
-      </p:ext>
-    </p:extLst>
-  </p:cSld>
-  <p:clrMapOvr>
-    <a:masterClrMapping/>
-  </p:clrMapOvr>
-</p:notes>
-</file>
-
-<file path=ppt/notesSlides/notesSlide35.xml><?xml version="1.0" encoding="utf-8"?>
-<p:notes xmlns:a="http://schemas.openxmlformats.org/drawingml/2006/main" xmlns:r="http://schemas.openxmlformats.org/officeDocument/2006/relationships" xmlns:p="http://schemas.openxmlformats.org/presentationml/2006/main">
-  <p:cSld>
-    <p:spTree>
-      <p:nvGrpSpPr>
-        <p:cNvPr id="1" name=""/>
-        <p:cNvGrpSpPr/>
-        <p:nvPr/>
-      </p:nvGrpSpPr>
-      <p:grpSpPr>
-        <a:xfrm>
-          <a:off x="0" y="0"/>
-          <a:ext cx="0" cy="0"/>
-          <a:chOff x="0" y="0"/>
-          <a:chExt cx="0" cy="0"/>
-        </a:xfrm>
-      </p:grpSpPr>
-      <p:sp>
-        <p:nvSpPr>
-          <p:cNvPr id="2" name="幻灯片图像占位符 1"/>
-          <p:cNvSpPr>
-            <a:spLocks noGrp="1" noRot="1" noChangeAspect="1"/>
-          </p:cNvSpPr>
-          <p:nvPr>
-            <p:ph type="sldImg"/>
-          </p:nvPr>
-        </p:nvSpPr>
-        <p:spPr/>
-      </p:sp>
-      <p:sp>
-        <p:nvSpPr>
-          <p:cNvPr id="3" name="备注占位符 2"/>
-          <p:cNvSpPr>
-            <a:spLocks noGrp="1"/>
-          </p:cNvSpPr>
-          <p:nvPr>
-            <p:ph type="body" idx="1"/>
-          </p:nvPr>
-        </p:nvSpPr>
-        <p:spPr/>
-        <p:txBody>
-          <a:bodyPr/>
-          <a:lstStyle/>
-          <a:p>
-            <a:endParaRPr lang="en-US" altLang="zh-CN" dirty="0"/>
-          </a:p>
-        </p:txBody>
-      </p:sp>
-      <p:sp>
-        <p:nvSpPr>
-          <p:cNvPr id="4" name="灯片编号占位符 3"/>
-          <p:cNvSpPr>
-            <a:spLocks noGrp="1"/>
-          </p:cNvSpPr>
-          <p:nvPr>
-            <p:ph type="sldNum" sz="quarter" idx="10"/>
-          </p:nvPr>
-        </p:nvSpPr>
-        <p:spPr/>
-        <p:txBody>
-          <a:bodyPr/>
-          <a:lstStyle/>
-          <a:p>
-            <a:fld id="{B60579C6-2494-4AC0-8F06-8320AE55085C}" type="slidenum">
-              <a:rPr lang="zh-CN" altLang="en-US" smtClean="0"/>
-              <a:t>36</a:t>
             </a:fld>
             <a:endParaRPr lang="zh-CN" altLang="en-US"/>
           </a:p>
@@ -13205,138 +13120,6 @@
                 <a:latin typeface="微软雅黑" panose="020B0503020204020204" pitchFamily="34" charset="-122"/>
                 <a:ea typeface="微软雅黑" panose="020B0503020204020204" pitchFamily="34" charset="-122"/>
               </a:rPr>
-              <a:t>-SD</a:t>
-            </a:r>
-            <a:r>
-              <a:rPr lang="zh-CN" altLang="en-US" sz="4400" dirty="0">
-                <a:latin typeface="微软雅黑" panose="020B0503020204020204" pitchFamily="34" charset="-122"/>
-                <a:ea typeface="微软雅黑" panose="020B0503020204020204" pitchFamily="34" charset="-122"/>
-              </a:rPr>
-              <a:t>图</a:t>
-            </a:r>
-            <a:endParaRPr lang="zh-CN" altLang="en-US" dirty="0"/>
-          </a:p>
-        </p:txBody>
-      </p:sp>
-      <p:pic>
-        <p:nvPicPr>
-          <p:cNvPr id="4" name="图片 3">
-            <a:hlinkClick r:id="rId3" action="ppaction://hlinksldjump"/>
-          </p:cNvPr>
-          <p:cNvPicPr>
-            <a:picLocks noChangeAspect="1"/>
-          </p:cNvPicPr>
-          <p:nvPr/>
-        </p:nvPicPr>
-        <p:blipFill>
-          <a:blip r:embed="rId4">
-            <a:extLst>
-              <a:ext uri="{28A0092B-C50C-407E-A947-70E740481C1C}">
-                <a14:useLocalDpi xmlns:a14="http://schemas.microsoft.com/office/drawing/2010/main" val="0"/>
-              </a:ext>
-            </a:extLst>
-          </a:blip>
-          <a:stretch>
-            <a:fillRect/>
-          </a:stretch>
-        </p:blipFill>
-        <p:spPr>
-          <a:xfrm>
-            <a:off x="10200811" y="338461"/>
-            <a:ext cx="1109339" cy="1109339"/>
-          </a:xfrm>
-          <a:prstGeom prst="rect">
-            <a:avLst/>
-          </a:prstGeom>
-        </p:spPr>
-      </p:pic>
-      <p:pic>
-        <p:nvPicPr>
-          <p:cNvPr id="5" name="Picture 4"/>
-          <p:cNvPicPr/>
-          <p:nvPr/>
-        </p:nvPicPr>
-        <p:blipFill>
-          <a:blip r:embed="rId5"/>
-          <a:stretch>
-            <a:fillRect/>
-          </a:stretch>
-        </p:blipFill>
-        <p:spPr>
-          <a:xfrm>
-            <a:off x="646110" y="1447799"/>
-            <a:ext cx="10688015" cy="5237205"/>
-          </a:xfrm>
-          <a:prstGeom prst="rect">
-            <a:avLst/>
-          </a:prstGeom>
-        </p:spPr>
-      </p:pic>
-    </p:spTree>
-    <p:extLst>
-      <p:ext uri="{BB962C8B-B14F-4D97-AF65-F5344CB8AC3E}">
-        <p14:creationId xmlns:p14="http://schemas.microsoft.com/office/powerpoint/2010/main" val="3097831054"/>
-      </p:ext>
-    </p:extLst>
-  </p:cSld>
-  <p:clrMapOvr>
-    <a:masterClrMapping/>
-  </p:clrMapOvr>
-  <p:transition spd="med">
-    <p:pull/>
-  </p:transition>
-</p:sld>
-</file>
-
-<file path=ppt/slides/slide17.xml><?xml version="1.0" encoding="utf-8"?>
-<p:sld xmlns:a="http://schemas.openxmlformats.org/drawingml/2006/main" xmlns:r="http://schemas.openxmlformats.org/officeDocument/2006/relationships" xmlns:p="http://schemas.openxmlformats.org/presentationml/2006/main">
-  <p:cSld>
-    <p:spTree>
-      <p:nvGrpSpPr>
-        <p:cNvPr id="1" name=""/>
-        <p:cNvGrpSpPr/>
-        <p:nvPr/>
-      </p:nvGrpSpPr>
-      <p:grpSpPr>
-        <a:xfrm>
-          <a:off x="0" y="0"/>
-          <a:ext cx="0" cy="0"/>
-          <a:chOff x="0" y="0"/>
-          <a:chExt cx="0" cy="0"/>
-        </a:xfrm>
-      </p:grpSpPr>
-      <p:sp>
-        <p:nvSpPr>
-          <p:cNvPr id="2" name="标题 1"/>
-          <p:cNvSpPr>
-            <a:spLocks noGrp="1"/>
-          </p:cNvSpPr>
-          <p:nvPr>
-            <p:ph type="title"/>
-          </p:nvPr>
-        </p:nvSpPr>
-        <p:spPr>
-          <a:xfrm>
-            <a:off x="646111" y="452718"/>
-            <a:ext cx="9404723" cy="995082"/>
-          </a:xfrm>
-        </p:spPr>
-        <p:txBody>
-          <a:bodyPr/>
-          <a:lstStyle/>
-          <a:p>
-            <a:r>
-              <a:rPr lang="zh-CN" altLang="en-US" sz="4400" dirty="0">
-                <a:latin typeface="微软雅黑" panose="020B0503020204020204" pitchFamily="34" charset="-122"/>
-                <a:ea typeface="微软雅黑" panose="020B0503020204020204" pitchFamily="34" charset="-122"/>
-              </a:rPr>
-              <a:t>需求分析</a:t>
-            </a:r>
-            <a:r>
-              <a:rPr lang="en-US" altLang="zh-CN" sz="4400" dirty="0">
-                <a:latin typeface="微软雅黑" panose="020B0503020204020204" pitchFamily="34" charset="-122"/>
-                <a:ea typeface="微软雅黑" panose="020B0503020204020204" pitchFamily="34" charset="-122"/>
-              </a:rPr>
               <a:t>-ER</a:t>
             </a:r>
             <a:r>
@@ -13422,7 +13205,7 @@
 </p:sld>
 </file>
 
-<file path=ppt/slides/slide18.xml><?xml version="1.0" encoding="utf-8"?>
+<file path=ppt/slides/slide17.xml><?xml version="1.0" encoding="utf-8"?>
 <p:sld xmlns:a="http://schemas.openxmlformats.org/drawingml/2006/main" xmlns:r="http://schemas.openxmlformats.org/officeDocument/2006/relationships" xmlns:p="http://schemas.openxmlformats.org/presentationml/2006/main">
   <p:cSld>
     <p:spTree>
@@ -13556,7 +13339,7 @@
 </p:sld>
 </file>
 
-<file path=ppt/slides/slide19.xml><?xml version="1.0" encoding="utf-8"?>
+<file path=ppt/slides/slide18.xml><?xml version="1.0" encoding="utf-8"?>
 <p:sld xmlns:a="http://schemas.openxmlformats.org/drawingml/2006/main" xmlns:r="http://schemas.openxmlformats.org/officeDocument/2006/relationships" xmlns:p="http://schemas.openxmlformats.org/presentationml/2006/main">
   <p:cSld>
     <p:spTree>
@@ -13764,6 +13547,142 @@
 </p:sld>
 </file>
 
+<file path=ppt/slides/slide19.xml><?xml version="1.0" encoding="utf-8"?>
+<p:sld xmlns:a="http://schemas.openxmlformats.org/drawingml/2006/main" xmlns:r="http://schemas.openxmlformats.org/officeDocument/2006/relationships" xmlns:p="http://schemas.openxmlformats.org/presentationml/2006/main">
+  <p:cSld>
+    <p:spTree>
+      <p:nvGrpSpPr>
+        <p:cNvPr id="1" name=""/>
+        <p:cNvGrpSpPr/>
+        <p:nvPr/>
+      </p:nvGrpSpPr>
+      <p:grpSpPr>
+        <a:xfrm>
+          <a:off x="0" y="0"/>
+          <a:ext cx="0" cy="0"/>
+          <a:chOff x="0" y="0"/>
+          <a:chExt cx="0" cy="0"/>
+        </a:xfrm>
+      </p:grpSpPr>
+      <p:sp>
+        <p:nvSpPr>
+          <p:cNvPr id="2" name="标题 1"/>
+          <p:cNvSpPr>
+            <a:spLocks noGrp="1"/>
+          </p:cNvSpPr>
+          <p:nvPr>
+            <p:ph type="title"/>
+          </p:nvPr>
+        </p:nvSpPr>
+        <p:spPr>
+          <a:xfrm>
+            <a:off x="646111" y="452718"/>
+            <a:ext cx="9404723" cy="995082"/>
+          </a:xfrm>
+        </p:spPr>
+        <p:txBody>
+          <a:bodyPr/>
+          <a:lstStyle/>
+          <a:p>
+            <a:r>
+              <a:rPr lang="zh-CN" altLang="en-US" sz="4400" dirty="0">
+                <a:latin typeface="微软雅黑" panose="020B0503020204020204" pitchFamily="34" charset="-122"/>
+                <a:ea typeface="微软雅黑" panose="020B0503020204020204" pitchFamily="34" charset="-122"/>
+              </a:rPr>
+              <a:t>总体设计</a:t>
+            </a:r>
+            <a:r>
+              <a:rPr lang="en-US" altLang="zh-CN" sz="4400" dirty="0">
+                <a:latin typeface="微软雅黑" panose="020B0503020204020204" pitchFamily="34" charset="-122"/>
+                <a:ea typeface="微软雅黑" panose="020B0503020204020204" pitchFamily="34" charset="-122"/>
+              </a:rPr>
+              <a:t>-</a:t>
+            </a:r>
+            <a:r>
+              <a:rPr lang="zh-CN" altLang="en-US" sz="4400" dirty="0">
+                <a:latin typeface="微软雅黑" panose="020B0503020204020204" pitchFamily="34" charset="-122"/>
+                <a:ea typeface="微软雅黑" panose="020B0503020204020204" pitchFamily="34" charset="-122"/>
+              </a:rPr>
+              <a:t>层次图</a:t>
+            </a:r>
+            <a:endParaRPr lang="zh-CN" altLang="en-US" dirty="0"/>
+          </a:p>
+        </p:txBody>
+      </p:sp>
+      <p:pic>
+        <p:nvPicPr>
+          <p:cNvPr id="4" name="图片 3">
+            <a:hlinkClick r:id="rId3" action="ppaction://hlinksldjump"/>
+          </p:cNvPr>
+          <p:cNvPicPr>
+            <a:picLocks noChangeAspect="1"/>
+          </p:cNvPicPr>
+          <p:nvPr/>
+        </p:nvPicPr>
+        <p:blipFill>
+          <a:blip r:embed="rId4">
+            <a:extLst>
+              <a:ext uri="{28A0092B-C50C-407E-A947-70E740481C1C}">
+                <a14:useLocalDpi xmlns:a14="http://schemas.microsoft.com/office/drawing/2010/main" val="0"/>
+              </a:ext>
+            </a:extLst>
+          </a:blip>
+          <a:stretch>
+            <a:fillRect/>
+          </a:stretch>
+        </p:blipFill>
+        <p:spPr>
+          <a:xfrm>
+            <a:off x="10200811" y="338461"/>
+            <a:ext cx="1109339" cy="1109339"/>
+          </a:xfrm>
+          <a:prstGeom prst="rect">
+            <a:avLst/>
+          </a:prstGeom>
+        </p:spPr>
+      </p:pic>
+      <p:pic>
+        <p:nvPicPr>
+          <p:cNvPr id="5" name="内容占位符 4"/>
+          <p:cNvPicPr>
+            <a:picLocks noGrp="1" noChangeAspect="1"/>
+          </p:cNvPicPr>
+          <p:nvPr>
+            <p:ph idx="1"/>
+          </p:nvPr>
+        </p:nvPicPr>
+        <p:blipFill>
+          <a:blip r:embed="rId5"/>
+          <a:stretch>
+            <a:fillRect/>
+          </a:stretch>
+        </p:blipFill>
+        <p:spPr>
+          <a:xfrm>
+            <a:off x="646111" y="1261804"/>
+            <a:ext cx="6347813" cy="5604127"/>
+          </a:xfrm>
+          <a:prstGeom prst="rect">
+            <a:avLst/>
+          </a:prstGeom>
+        </p:spPr>
+      </p:pic>
+    </p:spTree>
+    <p:extLst>
+      <p:ext uri="{BB962C8B-B14F-4D97-AF65-F5344CB8AC3E}">
+        <p14:creationId xmlns:p14="http://schemas.microsoft.com/office/powerpoint/2010/main" val="1366362139"/>
+      </p:ext>
+    </p:extLst>
+  </p:cSld>
+  <p:clrMapOvr>
+    <a:masterClrMapping/>
+  </p:clrMapOvr>
+  <p:transition spd="med">
+    <p:pull/>
+  </p:transition>
+</p:sld>
+</file>
+
 <file path=ppt/slides/slide2.xml><?xml version="1.0" encoding="utf-8"?>
 <p:sld xmlns:a="http://schemas.openxmlformats.org/drawingml/2006/main" xmlns:r="http://schemas.openxmlformats.org/officeDocument/2006/relationships" xmlns:p="http://schemas.openxmlformats.org/presentationml/2006/main">
   <p:cSld>
@@ -14025,142 +13944,6 @@
 </file>
 
 <file path=ppt/slides/slide20.xml><?xml version="1.0" encoding="utf-8"?>
-<p:sld xmlns:a="http://schemas.openxmlformats.org/drawingml/2006/main" xmlns:r="http://schemas.openxmlformats.org/officeDocument/2006/relationships" xmlns:p="http://schemas.openxmlformats.org/presentationml/2006/main">
-  <p:cSld>
-    <p:spTree>
-      <p:nvGrpSpPr>
-        <p:cNvPr id="1" name=""/>
-        <p:cNvGrpSpPr/>
-        <p:nvPr/>
-      </p:nvGrpSpPr>
-      <p:grpSpPr>
-        <a:xfrm>
-          <a:off x="0" y="0"/>
-          <a:ext cx="0" cy="0"/>
-          <a:chOff x="0" y="0"/>
-          <a:chExt cx="0" cy="0"/>
-        </a:xfrm>
-      </p:grpSpPr>
-      <p:sp>
-        <p:nvSpPr>
-          <p:cNvPr id="2" name="标题 1"/>
-          <p:cNvSpPr>
-            <a:spLocks noGrp="1"/>
-          </p:cNvSpPr>
-          <p:nvPr>
-            <p:ph type="title"/>
-          </p:nvPr>
-        </p:nvSpPr>
-        <p:spPr>
-          <a:xfrm>
-            <a:off x="646111" y="452718"/>
-            <a:ext cx="9404723" cy="995082"/>
-          </a:xfrm>
-        </p:spPr>
-        <p:txBody>
-          <a:bodyPr/>
-          <a:lstStyle/>
-          <a:p>
-            <a:r>
-              <a:rPr lang="zh-CN" altLang="en-US" sz="4400" dirty="0">
-                <a:latin typeface="微软雅黑" panose="020B0503020204020204" pitchFamily="34" charset="-122"/>
-                <a:ea typeface="微软雅黑" panose="020B0503020204020204" pitchFamily="34" charset="-122"/>
-              </a:rPr>
-              <a:t>总体设计</a:t>
-            </a:r>
-            <a:r>
-              <a:rPr lang="en-US" altLang="zh-CN" sz="4400" dirty="0">
-                <a:latin typeface="微软雅黑" panose="020B0503020204020204" pitchFamily="34" charset="-122"/>
-                <a:ea typeface="微软雅黑" panose="020B0503020204020204" pitchFamily="34" charset="-122"/>
-              </a:rPr>
-              <a:t>-</a:t>
-            </a:r>
-            <a:r>
-              <a:rPr lang="zh-CN" altLang="en-US" sz="4400" dirty="0">
-                <a:latin typeface="微软雅黑" panose="020B0503020204020204" pitchFamily="34" charset="-122"/>
-                <a:ea typeface="微软雅黑" panose="020B0503020204020204" pitchFamily="34" charset="-122"/>
-              </a:rPr>
-              <a:t>层次图</a:t>
-            </a:r>
-            <a:endParaRPr lang="zh-CN" altLang="en-US" dirty="0"/>
-          </a:p>
-        </p:txBody>
-      </p:sp>
-      <p:pic>
-        <p:nvPicPr>
-          <p:cNvPr id="4" name="图片 3">
-            <a:hlinkClick r:id="rId3" action="ppaction://hlinksldjump"/>
-          </p:cNvPr>
-          <p:cNvPicPr>
-            <a:picLocks noChangeAspect="1"/>
-          </p:cNvPicPr>
-          <p:nvPr/>
-        </p:nvPicPr>
-        <p:blipFill>
-          <a:blip r:embed="rId4">
-            <a:extLst>
-              <a:ext uri="{28A0092B-C50C-407E-A947-70E740481C1C}">
-                <a14:useLocalDpi xmlns:a14="http://schemas.microsoft.com/office/drawing/2010/main" val="0"/>
-              </a:ext>
-            </a:extLst>
-          </a:blip>
-          <a:stretch>
-            <a:fillRect/>
-          </a:stretch>
-        </p:blipFill>
-        <p:spPr>
-          <a:xfrm>
-            <a:off x="10200811" y="338461"/>
-            <a:ext cx="1109339" cy="1109339"/>
-          </a:xfrm>
-          <a:prstGeom prst="rect">
-            <a:avLst/>
-          </a:prstGeom>
-        </p:spPr>
-      </p:pic>
-      <p:pic>
-        <p:nvPicPr>
-          <p:cNvPr id="12" name="内容占位符 11"/>
-          <p:cNvPicPr>
-            <a:picLocks noGrp="1" noChangeAspect="1"/>
-          </p:cNvPicPr>
-          <p:nvPr>
-            <p:ph idx="1"/>
-          </p:nvPr>
-        </p:nvPicPr>
-        <p:blipFill>
-          <a:blip r:embed="rId5"/>
-          <a:stretch>
-            <a:fillRect/>
-          </a:stretch>
-        </p:blipFill>
-        <p:spPr>
-          <a:xfrm>
-            <a:off x="646111" y="1447800"/>
-            <a:ext cx="6128151" cy="5410200"/>
-          </a:xfrm>
-          <a:prstGeom prst="rect">
-            <a:avLst/>
-          </a:prstGeom>
-        </p:spPr>
-      </p:pic>
-    </p:spTree>
-    <p:extLst>
-      <p:ext uri="{BB962C8B-B14F-4D97-AF65-F5344CB8AC3E}">
-        <p14:creationId xmlns:p14="http://schemas.microsoft.com/office/powerpoint/2010/main" val="1366362139"/>
-      </p:ext>
-    </p:extLst>
-  </p:cSld>
-  <p:clrMapOvr>
-    <a:masterClrMapping/>
-  </p:clrMapOvr>
-  <p:transition spd="med">
-    <p:pull/>
-  </p:transition>
-</p:sld>
-</file>
-
-<file path=ppt/slides/slide21.xml><?xml version="1.0" encoding="utf-8"?>
 <p:sld xmlns:a="http://schemas.openxmlformats.org/drawingml/2006/main" xmlns:r="http://schemas.openxmlformats.org/officeDocument/2006/relationships" xmlns:p="http://schemas.openxmlformats.org/presentationml/2006/main">
   <p:cSld>
     <p:spTree>
@@ -14300,7 +14083,7 @@
 </p:sld>
 </file>
 
-<file path=ppt/slides/slide22.xml><?xml version="1.0" encoding="utf-8"?>
+<file path=ppt/slides/slide21.xml><?xml version="1.0" encoding="utf-8"?>
 <p:sld xmlns:a="http://schemas.openxmlformats.org/drawingml/2006/main" xmlns:r="http://schemas.openxmlformats.org/officeDocument/2006/relationships" xmlns:p="http://schemas.openxmlformats.org/presentationml/2006/main">
   <p:cSld>
     <p:spTree>
@@ -14434,7 +14217,7 @@
 </p:sld>
 </file>
 
-<file path=ppt/slides/slide23.xml><?xml version="1.0" encoding="utf-8"?>
+<file path=ppt/slides/slide22.xml><?xml version="1.0" encoding="utf-8"?>
 <p:sld xmlns:a="http://schemas.openxmlformats.org/drawingml/2006/main" xmlns:r="http://schemas.openxmlformats.org/officeDocument/2006/relationships" xmlns:p="http://schemas.openxmlformats.org/presentationml/2006/main">
   <p:cSld>
     <p:spTree>
@@ -14568,7 +14351,7 @@
 </p:sld>
 </file>
 
-<file path=ppt/slides/slide24.xml><?xml version="1.0" encoding="utf-8"?>
+<file path=ppt/slides/slide23.xml><?xml version="1.0" encoding="utf-8"?>
 <p:sld xmlns:a="http://schemas.openxmlformats.org/drawingml/2006/main" xmlns:r="http://schemas.openxmlformats.org/officeDocument/2006/relationships" xmlns:p="http://schemas.openxmlformats.org/presentationml/2006/main">
   <p:cSld>
     <p:spTree>
@@ -14702,7 +14485,7 @@
 </p:sld>
 </file>
 
-<file path=ppt/slides/slide25.xml><?xml version="1.0" encoding="utf-8"?>
+<file path=ppt/slides/slide24.xml><?xml version="1.0" encoding="utf-8"?>
 <p:sld xmlns:a="http://schemas.openxmlformats.org/drawingml/2006/main" xmlns:r="http://schemas.openxmlformats.org/officeDocument/2006/relationships" xmlns:p="http://schemas.openxmlformats.org/presentationml/2006/main">
   <p:cSld>
     <p:spTree>
@@ -14836,7 +14619,7 @@
 </p:sld>
 </file>
 
-<file path=ppt/slides/slide26.xml><?xml version="1.0" encoding="utf-8"?>
+<file path=ppt/slides/slide25.xml><?xml version="1.0" encoding="utf-8"?>
 <p:sld xmlns:a="http://schemas.openxmlformats.org/drawingml/2006/main" xmlns:r="http://schemas.openxmlformats.org/officeDocument/2006/relationships" xmlns:p="http://schemas.openxmlformats.org/presentationml/2006/main">
   <p:cSld>
     <p:spTree>
@@ -14970,7 +14753,7 @@
 </p:sld>
 </file>
 
-<file path=ppt/slides/slide27.xml><?xml version="1.0" encoding="utf-8"?>
+<file path=ppt/slides/slide26.xml><?xml version="1.0" encoding="utf-8"?>
 <p:sld xmlns:a="http://schemas.openxmlformats.org/drawingml/2006/main" xmlns:r="http://schemas.openxmlformats.org/officeDocument/2006/relationships" xmlns:p="http://schemas.openxmlformats.org/presentationml/2006/main">
   <p:cSld>
     <p:spTree>
@@ -15110,7 +14893,7 @@
 </p:sld>
 </file>
 
-<file path=ppt/slides/slide28.xml><?xml version="1.0" encoding="utf-8"?>
+<file path=ppt/slides/slide27.xml><?xml version="1.0" encoding="utf-8"?>
 <p:sld xmlns:a="http://schemas.openxmlformats.org/drawingml/2006/main" xmlns:r="http://schemas.openxmlformats.org/officeDocument/2006/relationships" xmlns:p="http://schemas.openxmlformats.org/presentationml/2006/main">
   <p:cSld>
     <p:spTree>
@@ -15244,7 +15027,7 @@
 </p:sld>
 </file>
 
-<file path=ppt/slides/slide29.xml><?xml version="1.0" encoding="utf-8"?>
+<file path=ppt/slides/slide28.xml><?xml version="1.0" encoding="utf-8"?>
 <p:sld xmlns:a="http://schemas.openxmlformats.org/drawingml/2006/main" xmlns:r="http://schemas.openxmlformats.org/officeDocument/2006/relationships" xmlns:p="http://schemas.openxmlformats.org/presentationml/2006/main">
   <p:cSld>
     <p:spTree>
@@ -15378,266 +15161,7 @@
 </p:sld>
 </file>
 
-<file path=ppt/slides/slide3.xml><?xml version="1.0" encoding="utf-8"?>
-<p:sld xmlns:a="http://schemas.openxmlformats.org/drawingml/2006/main" xmlns:r="http://schemas.openxmlformats.org/officeDocument/2006/relationships" xmlns:p="http://schemas.openxmlformats.org/presentationml/2006/main">
-  <p:cSld>
-    <p:spTree>
-      <p:nvGrpSpPr>
-        <p:cNvPr id="1" name=""/>
-        <p:cNvGrpSpPr/>
-        <p:nvPr/>
-      </p:nvGrpSpPr>
-      <p:grpSpPr>
-        <a:xfrm>
-          <a:off x="0" y="0"/>
-          <a:ext cx="0" cy="0"/>
-          <a:chOff x="0" y="0"/>
-          <a:chExt cx="0" cy="0"/>
-        </a:xfrm>
-      </p:grpSpPr>
-      <p:sp>
-        <p:nvSpPr>
-          <p:cNvPr id="2" name="标题 1"/>
-          <p:cNvSpPr>
-            <a:spLocks noGrp="1"/>
-          </p:cNvSpPr>
-          <p:nvPr>
-            <p:ph type="title"/>
-          </p:nvPr>
-        </p:nvSpPr>
-        <p:spPr>
-          <a:xfrm>
-            <a:off x="646111" y="452718"/>
-            <a:ext cx="9404723" cy="995082"/>
-          </a:xfrm>
-        </p:spPr>
-        <p:txBody>
-          <a:bodyPr/>
-          <a:lstStyle/>
-          <a:p>
-            <a:r>
-              <a:rPr lang="zh-CN" altLang="en-US" sz="4400" dirty="0">
-                <a:latin typeface="微软雅黑" panose="020B0503020204020204" pitchFamily="34" charset="-122"/>
-                <a:ea typeface="微软雅黑" panose="020B0503020204020204" pitchFamily="34" charset="-122"/>
-              </a:rPr>
-              <a:t>项目说明</a:t>
-            </a:r>
-            <a:endParaRPr lang="zh-CN" altLang="en-US" dirty="0"/>
-          </a:p>
-        </p:txBody>
-      </p:sp>
-      <p:sp>
-        <p:nvSpPr>
-          <p:cNvPr id="3" name="内容占位符 2"/>
-          <p:cNvSpPr>
-            <a:spLocks noGrp="1"/>
-          </p:cNvSpPr>
-          <p:nvPr>
-            <p:ph idx="1"/>
-          </p:nvPr>
-        </p:nvSpPr>
-        <p:spPr>
-          <a:xfrm>
-            <a:off x="646111" y="1447800"/>
-            <a:ext cx="8946541" cy="4195481"/>
-          </a:xfrm>
-        </p:spPr>
-        <p:txBody>
-          <a:bodyPr>
-            <a:normAutofit fontScale="92500" lnSpcReduction="10000"/>
-          </a:bodyPr>
-          <a:lstStyle/>
-          <a:p>
-            <a:pPr marL="0" indent="0">
-              <a:lnSpc>
-                <a:spcPct val="150000"/>
-              </a:lnSpc>
-              <a:buNone/>
-            </a:pPr>
-            <a:r>
-              <a:rPr lang="en-US" altLang="zh-CN" sz="2400" dirty="0">
-                <a:latin typeface="微软雅黑" panose="020B0503020204020204" pitchFamily="34" charset="-122"/>
-                <a:ea typeface="微软雅黑" panose="020B0503020204020204" pitchFamily="34" charset="-122"/>
-              </a:rPr>
-              <a:t>	</a:t>
-            </a:r>
-            <a:r>
-              <a:rPr lang="zh-CN" altLang="en-US" sz="2400" dirty="0">
-                <a:latin typeface="微软雅黑" panose="020B0503020204020204" pitchFamily="34" charset="-122"/>
-                <a:ea typeface="微软雅黑" panose="020B0503020204020204" pitchFamily="34" charset="-122"/>
-              </a:rPr>
-              <a:t>本项目的目的是</a:t>
-            </a:r>
-            <a:r>
-              <a:rPr lang="zh-CN" altLang="zh-CN" sz="2400" dirty="0">
-                <a:latin typeface="微软雅黑" panose="020B0503020204020204" pitchFamily="34" charset="-122"/>
-                <a:ea typeface="微软雅黑" panose="020B0503020204020204" pitchFamily="34" charset="-122"/>
-              </a:rPr>
-              <a:t>测量</a:t>
-            </a:r>
-            <a:r>
-              <a:rPr lang="zh-CN" altLang="en-US" sz="2400" dirty="0">
-                <a:latin typeface="微软雅黑" panose="020B0503020204020204" pitchFamily="34" charset="-122"/>
-                <a:ea typeface="微软雅黑" panose="020B0503020204020204" pitchFamily="34" charset="-122"/>
-              </a:rPr>
-              <a:t>室外</a:t>
-            </a:r>
-            <a:r>
-              <a:rPr lang="zh-CN" altLang="zh-CN" sz="2400" dirty="0">
-                <a:latin typeface="微软雅黑" panose="020B0503020204020204" pitchFamily="34" charset="-122"/>
-                <a:ea typeface="微软雅黑" panose="020B0503020204020204" pitchFamily="34" charset="-122"/>
-              </a:rPr>
-              <a:t>实时温湿度</a:t>
-            </a:r>
-            <a:r>
-              <a:rPr lang="zh-CN" altLang="en-US" sz="2400" dirty="0">
-                <a:latin typeface="微软雅黑" panose="020B0503020204020204" pitchFamily="34" charset="-122"/>
-                <a:ea typeface="微软雅黑" panose="020B0503020204020204" pitchFamily="34" charset="-122"/>
-              </a:rPr>
-              <a:t>、</a:t>
-            </a:r>
-            <a:r>
-              <a:rPr lang="zh-CN" altLang="zh-CN" sz="2400" dirty="0">
-                <a:latin typeface="微软雅黑" panose="020B0503020204020204" pitchFamily="34" charset="-122"/>
-                <a:ea typeface="微软雅黑" panose="020B0503020204020204" pitchFamily="34" charset="-122"/>
-              </a:rPr>
-              <a:t>风速、风向，</a:t>
-            </a:r>
-            <a:r>
-              <a:rPr lang="zh-CN" altLang="en-US" sz="2400" dirty="0">
-                <a:latin typeface="微软雅黑" panose="020B0503020204020204" pitchFamily="34" charset="-122"/>
-                <a:ea typeface="微软雅黑" panose="020B0503020204020204" pitchFamily="34" charset="-122"/>
-              </a:rPr>
-              <a:t>雨量、粉尘含量、紫外线强度并计算酷热指数，将会</a:t>
-            </a:r>
-            <a:r>
-              <a:rPr lang="zh-CN" altLang="zh-CN" sz="2400" dirty="0">
-                <a:latin typeface="微软雅黑" panose="020B0503020204020204" pitchFamily="34" charset="-122"/>
-                <a:ea typeface="微软雅黑" panose="020B0503020204020204" pitchFamily="34" charset="-122"/>
-              </a:rPr>
-              <a:t>以统计图的形式</a:t>
-            </a:r>
-            <a:r>
-              <a:rPr lang="zh-CN" altLang="en-US" sz="2400" dirty="0">
-                <a:latin typeface="微软雅黑" panose="020B0503020204020204" pitchFamily="34" charset="-122"/>
-                <a:ea typeface="微软雅黑" panose="020B0503020204020204" pitchFamily="34" charset="-122"/>
-              </a:rPr>
-              <a:t>呈现历史数据，并提出相应建议</a:t>
-            </a:r>
-            <a:r>
-              <a:rPr lang="zh-CN" altLang="zh-CN" sz="2400" dirty="0">
-                <a:latin typeface="微软雅黑" panose="020B0503020204020204" pitchFamily="34" charset="-122"/>
-                <a:ea typeface="微软雅黑" panose="020B0503020204020204" pitchFamily="34" charset="-122"/>
-              </a:rPr>
-              <a:t>。</a:t>
-            </a:r>
-            <a:r>
-              <a:rPr lang="zh-CN" altLang="en-US" sz="2400" dirty="0">
-                <a:latin typeface="微软雅黑" panose="020B0503020204020204" pitchFamily="34" charset="-122"/>
-                <a:ea typeface="微软雅黑" panose="020B0503020204020204" pitchFamily="34" charset="-122"/>
-              </a:rPr>
-              <a:t>在未来可能会关联多个测量点对一片固定的区域进行采样测量。</a:t>
-            </a:r>
-            <a:r>
-              <a:rPr lang="en-US" altLang="zh-CN" sz="2400" dirty="0">
-                <a:latin typeface="微软雅黑" panose="020B0503020204020204" pitchFamily="34" charset="-122"/>
-                <a:ea typeface="微软雅黑" panose="020B0503020204020204" pitchFamily="34" charset="-122"/>
-              </a:rPr>
-              <a:t>	</a:t>
-            </a:r>
-          </a:p>
-          <a:p>
-            <a:pPr marL="0" indent="0">
-              <a:lnSpc>
-                <a:spcPct val="150000"/>
-              </a:lnSpc>
-              <a:buNone/>
-            </a:pPr>
-            <a:r>
-              <a:rPr lang="en-US" altLang="zh-CN" sz="2400" dirty="0">
-                <a:latin typeface="微软雅黑" panose="020B0503020204020204" pitchFamily="34" charset="-122"/>
-                <a:ea typeface="微软雅黑" panose="020B0503020204020204" pitchFamily="34" charset="-122"/>
-              </a:rPr>
-              <a:t>	</a:t>
-            </a:r>
-          </a:p>
-          <a:p>
-            <a:pPr marL="0" indent="0">
-              <a:lnSpc>
-                <a:spcPct val="150000"/>
-              </a:lnSpc>
-              <a:buNone/>
-            </a:pPr>
-            <a:r>
-              <a:rPr lang="en-US" altLang="zh-CN" sz="2400" dirty="0">
-                <a:latin typeface="微软雅黑" panose="020B0503020204020204" pitchFamily="34" charset="-122"/>
-                <a:ea typeface="微软雅黑" panose="020B0503020204020204" pitchFamily="34" charset="-122"/>
-              </a:rPr>
-              <a:t>	</a:t>
-            </a:r>
-            <a:r>
-              <a:rPr lang="zh-CN" altLang="en-US" sz="2400" dirty="0">
-                <a:latin typeface="微软雅黑" panose="020B0503020204020204" pitchFamily="34" charset="-122"/>
-                <a:ea typeface="微软雅黑" panose="020B0503020204020204" pitchFamily="34" charset="-122"/>
-              </a:rPr>
-              <a:t>本项目采用瀑布型软件生存周期。软件开发阶段为可行性研究与计划、软件需求分析、概要设计、详细设计、软件实现、测试验证和维护、编写说明书。</a:t>
-            </a:r>
-            <a:endParaRPr lang="en-US" altLang="zh-CN" sz="2400" baseline="30000" dirty="0">
-              <a:latin typeface="微软雅黑" panose="020B0503020204020204" pitchFamily="34" charset="-122"/>
-              <a:ea typeface="微软雅黑" panose="020B0503020204020204" pitchFamily="34" charset="-122"/>
-            </a:endParaRPr>
-          </a:p>
-        </p:txBody>
-      </p:sp>
-      <p:pic>
-        <p:nvPicPr>
-          <p:cNvPr id="4" name="图片 3">
-            <a:hlinkClick r:id="rId3" action="ppaction://hlinksldjump"/>
-          </p:cNvPr>
-          <p:cNvPicPr>
-            <a:picLocks noChangeAspect="1"/>
-          </p:cNvPicPr>
-          <p:nvPr/>
-        </p:nvPicPr>
-        <p:blipFill>
-          <a:blip r:embed="rId4">
-            <a:extLst>
-              <a:ext uri="{28A0092B-C50C-407E-A947-70E740481C1C}">
-                <a14:useLocalDpi xmlns:a14="http://schemas.microsoft.com/office/drawing/2010/main" val="0"/>
-              </a:ext>
-            </a:extLst>
-          </a:blip>
-          <a:stretch>
-            <a:fillRect/>
-          </a:stretch>
-        </p:blipFill>
-        <p:spPr>
-          <a:xfrm>
-            <a:off x="10200811" y="338461"/>
-            <a:ext cx="1109339" cy="1109339"/>
-          </a:xfrm>
-          <a:prstGeom prst="rect">
-            <a:avLst/>
-          </a:prstGeom>
-        </p:spPr>
-      </p:pic>
-    </p:spTree>
-    <p:extLst>
-      <p:ext uri="{BB962C8B-B14F-4D97-AF65-F5344CB8AC3E}">
-        <p14:creationId xmlns:p14="http://schemas.microsoft.com/office/powerpoint/2010/main" val="3098550817"/>
-      </p:ext>
-    </p:extLst>
-  </p:cSld>
-  <p:clrMapOvr>
-    <a:masterClrMapping/>
-  </p:clrMapOvr>
-  <p:transition spd="med">
-    <p:pull/>
-  </p:transition>
-</p:sld>
-</file>
-
-<file path=ppt/slides/slide30.xml><?xml version="1.0" encoding="utf-8"?>
+<file path=ppt/slides/slide29.xml><?xml version="1.0" encoding="utf-8"?>
 <p:sld xmlns:a="http://schemas.openxmlformats.org/drawingml/2006/main" xmlns:r="http://schemas.openxmlformats.org/officeDocument/2006/relationships" xmlns:p="http://schemas.openxmlformats.org/presentationml/2006/main">
   <p:cSld>
     <p:spTree>
@@ -15771,7 +15295,266 @@
 </p:sld>
 </file>
 
-<file path=ppt/slides/slide31.xml><?xml version="1.0" encoding="utf-8"?>
+<file path=ppt/slides/slide3.xml><?xml version="1.0" encoding="utf-8"?>
+<p:sld xmlns:a="http://schemas.openxmlformats.org/drawingml/2006/main" xmlns:r="http://schemas.openxmlformats.org/officeDocument/2006/relationships" xmlns:p="http://schemas.openxmlformats.org/presentationml/2006/main">
+  <p:cSld>
+    <p:spTree>
+      <p:nvGrpSpPr>
+        <p:cNvPr id="1" name=""/>
+        <p:cNvGrpSpPr/>
+        <p:nvPr/>
+      </p:nvGrpSpPr>
+      <p:grpSpPr>
+        <a:xfrm>
+          <a:off x="0" y="0"/>
+          <a:ext cx="0" cy="0"/>
+          <a:chOff x="0" y="0"/>
+          <a:chExt cx="0" cy="0"/>
+        </a:xfrm>
+      </p:grpSpPr>
+      <p:sp>
+        <p:nvSpPr>
+          <p:cNvPr id="2" name="标题 1"/>
+          <p:cNvSpPr>
+            <a:spLocks noGrp="1"/>
+          </p:cNvSpPr>
+          <p:nvPr>
+            <p:ph type="title"/>
+          </p:nvPr>
+        </p:nvSpPr>
+        <p:spPr>
+          <a:xfrm>
+            <a:off x="646111" y="452718"/>
+            <a:ext cx="9404723" cy="995082"/>
+          </a:xfrm>
+        </p:spPr>
+        <p:txBody>
+          <a:bodyPr/>
+          <a:lstStyle/>
+          <a:p>
+            <a:r>
+              <a:rPr lang="zh-CN" altLang="en-US" sz="4400" dirty="0">
+                <a:latin typeface="微软雅黑" panose="020B0503020204020204" pitchFamily="34" charset="-122"/>
+                <a:ea typeface="微软雅黑" panose="020B0503020204020204" pitchFamily="34" charset="-122"/>
+              </a:rPr>
+              <a:t>项目说明</a:t>
+            </a:r>
+            <a:endParaRPr lang="zh-CN" altLang="en-US" dirty="0"/>
+          </a:p>
+        </p:txBody>
+      </p:sp>
+      <p:sp>
+        <p:nvSpPr>
+          <p:cNvPr id="3" name="内容占位符 2"/>
+          <p:cNvSpPr>
+            <a:spLocks noGrp="1"/>
+          </p:cNvSpPr>
+          <p:nvPr>
+            <p:ph idx="1"/>
+          </p:nvPr>
+        </p:nvSpPr>
+        <p:spPr>
+          <a:xfrm>
+            <a:off x="646111" y="1447800"/>
+            <a:ext cx="8946541" cy="4195481"/>
+          </a:xfrm>
+        </p:spPr>
+        <p:txBody>
+          <a:bodyPr>
+            <a:normAutofit fontScale="92500" lnSpcReduction="10000"/>
+          </a:bodyPr>
+          <a:lstStyle/>
+          <a:p>
+            <a:pPr marL="0" indent="0">
+              <a:lnSpc>
+                <a:spcPct val="150000"/>
+              </a:lnSpc>
+              <a:buNone/>
+            </a:pPr>
+            <a:r>
+              <a:rPr lang="en-US" altLang="zh-CN" sz="2400" dirty="0">
+                <a:latin typeface="微软雅黑" panose="020B0503020204020204" pitchFamily="34" charset="-122"/>
+                <a:ea typeface="微软雅黑" panose="020B0503020204020204" pitchFamily="34" charset="-122"/>
+              </a:rPr>
+              <a:t>	</a:t>
+            </a:r>
+            <a:r>
+              <a:rPr lang="zh-CN" altLang="en-US" sz="2400" dirty="0">
+                <a:latin typeface="微软雅黑" panose="020B0503020204020204" pitchFamily="34" charset="-122"/>
+                <a:ea typeface="微软雅黑" panose="020B0503020204020204" pitchFamily="34" charset="-122"/>
+              </a:rPr>
+              <a:t>本项目的目的是</a:t>
+            </a:r>
+            <a:r>
+              <a:rPr lang="zh-CN" altLang="zh-CN" sz="2400" dirty="0">
+                <a:latin typeface="微软雅黑" panose="020B0503020204020204" pitchFamily="34" charset="-122"/>
+                <a:ea typeface="微软雅黑" panose="020B0503020204020204" pitchFamily="34" charset="-122"/>
+              </a:rPr>
+              <a:t>测量</a:t>
+            </a:r>
+            <a:r>
+              <a:rPr lang="zh-CN" altLang="en-US" sz="2400" dirty="0">
+                <a:latin typeface="微软雅黑" panose="020B0503020204020204" pitchFamily="34" charset="-122"/>
+                <a:ea typeface="微软雅黑" panose="020B0503020204020204" pitchFamily="34" charset="-122"/>
+              </a:rPr>
+              <a:t>室外</a:t>
+            </a:r>
+            <a:r>
+              <a:rPr lang="zh-CN" altLang="zh-CN" sz="2400" dirty="0">
+                <a:latin typeface="微软雅黑" panose="020B0503020204020204" pitchFamily="34" charset="-122"/>
+                <a:ea typeface="微软雅黑" panose="020B0503020204020204" pitchFamily="34" charset="-122"/>
+              </a:rPr>
+              <a:t>实时温湿度</a:t>
+            </a:r>
+            <a:r>
+              <a:rPr lang="zh-CN" altLang="en-US" sz="2400" dirty="0">
+                <a:latin typeface="微软雅黑" panose="020B0503020204020204" pitchFamily="34" charset="-122"/>
+                <a:ea typeface="微软雅黑" panose="020B0503020204020204" pitchFamily="34" charset="-122"/>
+              </a:rPr>
+              <a:t>、</a:t>
+            </a:r>
+            <a:r>
+              <a:rPr lang="zh-CN" altLang="zh-CN" sz="2400" dirty="0">
+                <a:latin typeface="微软雅黑" panose="020B0503020204020204" pitchFamily="34" charset="-122"/>
+                <a:ea typeface="微软雅黑" panose="020B0503020204020204" pitchFamily="34" charset="-122"/>
+              </a:rPr>
+              <a:t>风速、风向，</a:t>
+            </a:r>
+            <a:r>
+              <a:rPr lang="zh-CN" altLang="en-US" sz="2400" dirty="0">
+                <a:latin typeface="微软雅黑" panose="020B0503020204020204" pitchFamily="34" charset="-122"/>
+                <a:ea typeface="微软雅黑" panose="020B0503020204020204" pitchFamily="34" charset="-122"/>
+              </a:rPr>
+              <a:t>雨量、粉尘含量、紫外线强度并计算酷热指数，将会</a:t>
+            </a:r>
+            <a:r>
+              <a:rPr lang="zh-CN" altLang="zh-CN" sz="2400" dirty="0">
+                <a:latin typeface="微软雅黑" panose="020B0503020204020204" pitchFamily="34" charset="-122"/>
+                <a:ea typeface="微软雅黑" panose="020B0503020204020204" pitchFamily="34" charset="-122"/>
+              </a:rPr>
+              <a:t>以统计图的形式</a:t>
+            </a:r>
+            <a:r>
+              <a:rPr lang="zh-CN" altLang="en-US" sz="2400" dirty="0">
+                <a:latin typeface="微软雅黑" panose="020B0503020204020204" pitchFamily="34" charset="-122"/>
+                <a:ea typeface="微软雅黑" panose="020B0503020204020204" pitchFamily="34" charset="-122"/>
+              </a:rPr>
+              <a:t>呈现历史数据，并提出相应建议</a:t>
+            </a:r>
+            <a:r>
+              <a:rPr lang="zh-CN" altLang="zh-CN" sz="2400" dirty="0">
+                <a:latin typeface="微软雅黑" panose="020B0503020204020204" pitchFamily="34" charset="-122"/>
+                <a:ea typeface="微软雅黑" panose="020B0503020204020204" pitchFamily="34" charset="-122"/>
+              </a:rPr>
+              <a:t>。</a:t>
+            </a:r>
+            <a:r>
+              <a:rPr lang="zh-CN" altLang="en-US" sz="2400" dirty="0">
+                <a:latin typeface="微软雅黑" panose="020B0503020204020204" pitchFamily="34" charset="-122"/>
+                <a:ea typeface="微软雅黑" panose="020B0503020204020204" pitchFamily="34" charset="-122"/>
+              </a:rPr>
+              <a:t>在未来可能会关联多个测量点对一片固定的区域进行采样测量。</a:t>
+            </a:r>
+            <a:r>
+              <a:rPr lang="en-US" altLang="zh-CN" sz="2400" dirty="0">
+                <a:latin typeface="微软雅黑" panose="020B0503020204020204" pitchFamily="34" charset="-122"/>
+                <a:ea typeface="微软雅黑" panose="020B0503020204020204" pitchFamily="34" charset="-122"/>
+              </a:rPr>
+              <a:t>	</a:t>
+            </a:r>
+          </a:p>
+          <a:p>
+            <a:pPr marL="0" indent="0">
+              <a:lnSpc>
+                <a:spcPct val="150000"/>
+              </a:lnSpc>
+              <a:buNone/>
+            </a:pPr>
+            <a:r>
+              <a:rPr lang="en-US" altLang="zh-CN" sz="2400" dirty="0">
+                <a:latin typeface="微软雅黑" panose="020B0503020204020204" pitchFamily="34" charset="-122"/>
+                <a:ea typeface="微软雅黑" panose="020B0503020204020204" pitchFamily="34" charset="-122"/>
+              </a:rPr>
+              <a:t>	</a:t>
+            </a:r>
+          </a:p>
+          <a:p>
+            <a:pPr marL="0" indent="0">
+              <a:lnSpc>
+                <a:spcPct val="150000"/>
+              </a:lnSpc>
+              <a:buNone/>
+            </a:pPr>
+            <a:r>
+              <a:rPr lang="en-US" altLang="zh-CN" sz="2400" dirty="0">
+                <a:latin typeface="微软雅黑" panose="020B0503020204020204" pitchFamily="34" charset="-122"/>
+                <a:ea typeface="微软雅黑" panose="020B0503020204020204" pitchFamily="34" charset="-122"/>
+              </a:rPr>
+              <a:t>	</a:t>
+            </a:r>
+            <a:r>
+              <a:rPr lang="zh-CN" altLang="en-US" sz="2400" dirty="0">
+                <a:latin typeface="微软雅黑" panose="020B0503020204020204" pitchFamily="34" charset="-122"/>
+                <a:ea typeface="微软雅黑" panose="020B0503020204020204" pitchFamily="34" charset="-122"/>
+              </a:rPr>
+              <a:t>本项目采用瀑布型软件生存周期。软件开发阶段为可行性研究与计划、软件需求分析、概要设计、详细设计、软件实现、测试验证和维护、编写说明书。</a:t>
+            </a:r>
+            <a:endParaRPr lang="en-US" altLang="zh-CN" sz="2400" baseline="30000" dirty="0">
+              <a:latin typeface="微软雅黑" panose="020B0503020204020204" pitchFamily="34" charset="-122"/>
+              <a:ea typeface="微软雅黑" panose="020B0503020204020204" pitchFamily="34" charset="-122"/>
+            </a:endParaRPr>
+          </a:p>
+        </p:txBody>
+      </p:sp>
+      <p:pic>
+        <p:nvPicPr>
+          <p:cNvPr id="4" name="图片 3">
+            <a:hlinkClick r:id="rId3" action="ppaction://hlinksldjump"/>
+          </p:cNvPr>
+          <p:cNvPicPr>
+            <a:picLocks noChangeAspect="1"/>
+          </p:cNvPicPr>
+          <p:nvPr/>
+        </p:nvPicPr>
+        <p:blipFill>
+          <a:blip r:embed="rId4">
+            <a:extLst>
+              <a:ext uri="{28A0092B-C50C-407E-A947-70E740481C1C}">
+                <a14:useLocalDpi xmlns:a14="http://schemas.microsoft.com/office/drawing/2010/main" val="0"/>
+              </a:ext>
+            </a:extLst>
+          </a:blip>
+          <a:stretch>
+            <a:fillRect/>
+          </a:stretch>
+        </p:blipFill>
+        <p:spPr>
+          <a:xfrm>
+            <a:off x="10200811" y="338461"/>
+            <a:ext cx="1109339" cy="1109339"/>
+          </a:xfrm>
+          <a:prstGeom prst="rect">
+            <a:avLst/>
+          </a:prstGeom>
+        </p:spPr>
+      </p:pic>
+    </p:spTree>
+    <p:extLst>
+      <p:ext uri="{BB962C8B-B14F-4D97-AF65-F5344CB8AC3E}">
+        <p14:creationId xmlns:p14="http://schemas.microsoft.com/office/powerpoint/2010/main" val="3098550817"/>
+      </p:ext>
+    </p:extLst>
+  </p:cSld>
+  <p:clrMapOvr>
+    <a:masterClrMapping/>
+  </p:clrMapOvr>
+  <p:transition spd="med">
+    <p:pull/>
+  </p:transition>
+</p:sld>
+</file>
+
+<file path=ppt/slides/slide30.xml><?xml version="1.0" encoding="utf-8"?>
 <p:sld xmlns:a="http://schemas.openxmlformats.org/drawingml/2006/main" xmlns:r="http://schemas.openxmlformats.org/officeDocument/2006/relationships" xmlns:p="http://schemas.openxmlformats.org/presentationml/2006/main">
   <p:cSld>
     <p:spTree>
@@ -15905,7 +15688,7 @@
 </p:sld>
 </file>
 
-<file path=ppt/slides/slide32.xml><?xml version="1.0" encoding="utf-8"?>
+<file path=ppt/slides/slide31.xml><?xml version="1.0" encoding="utf-8"?>
 <p:sld xmlns:a="http://schemas.openxmlformats.org/drawingml/2006/main" xmlns:r="http://schemas.openxmlformats.org/officeDocument/2006/relationships" xmlns:p="http://schemas.openxmlformats.org/presentationml/2006/main">
   <p:cSld>
     <p:spTree>
@@ -16039,7 +15822,7 @@
 </p:sld>
 </file>
 
-<file path=ppt/slides/slide33.xml><?xml version="1.0" encoding="utf-8"?>
+<file path=ppt/slides/slide32.xml><?xml version="1.0" encoding="utf-8"?>
 <p:sld xmlns:a="http://schemas.openxmlformats.org/drawingml/2006/main" xmlns:r="http://schemas.openxmlformats.org/officeDocument/2006/relationships" xmlns:p="http://schemas.openxmlformats.org/presentationml/2006/main">
   <p:cSld>
     <p:spTree>
@@ -16180,7 +15963,7 @@
 </p:sld>
 </file>
 
-<file path=ppt/slides/slide34.xml><?xml version="1.0" encoding="utf-8"?>
+<file path=ppt/slides/slide33.xml><?xml version="1.0" encoding="utf-8"?>
 <p:sld xmlns:a="http://schemas.openxmlformats.org/drawingml/2006/main" xmlns:r="http://schemas.openxmlformats.org/officeDocument/2006/relationships" xmlns:p="http://schemas.openxmlformats.org/presentationml/2006/main">
   <p:cSld>
     <p:spTree>
@@ -16327,7 +16110,7 @@
 </p:sld>
 </file>
 
-<file path=ppt/slides/slide35.xml><?xml version="1.0" encoding="utf-8"?>
+<file path=ppt/slides/slide34.xml><?xml version="1.0" encoding="utf-8"?>
 <p:sld xmlns:a="http://schemas.openxmlformats.org/drawingml/2006/main" xmlns:r="http://schemas.openxmlformats.org/officeDocument/2006/relationships" xmlns:p="http://schemas.openxmlformats.org/presentationml/2006/main">
   <p:cSld>
     <p:spTree>
@@ -16468,7 +16251,7 @@
 </p:sld>
 </file>
 
-<file path=ppt/slides/slide36.xml><?xml version="1.0" encoding="utf-8"?>
+<file path=ppt/slides/slide35.xml><?xml version="1.0" encoding="utf-8"?>
 <p:sld xmlns:a="http://schemas.openxmlformats.org/drawingml/2006/main" xmlns:r="http://schemas.openxmlformats.org/officeDocument/2006/relationships" xmlns:p="http://schemas.openxmlformats.org/presentationml/2006/main">
   <p:cSld>
     <p:spTree>
@@ -16617,7 +16400,7 @@
 </p:sld>
 </file>
 
-<file path=ppt/slides/slide37.xml><?xml version="1.0" encoding="utf-8"?>
+<file path=ppt/slides/slide36.xml><?xml version="1.0" encoding="utf-8"?>
 <p:sld xmlns:a="http://schemas.openxmlformats.org/drawingml/2006/main" xmlns:r="http://schemas.openxmlformats.org/officeDocument/2006/relationships" xmlns:p="http://schemas.openxmlformats.org/presentationml/2006/main">
   <p:cSld>
     <p:spTree>
@@ -16936,7 +16719,7 @@
 </p:sld>
 </file>
 
-<file path=ppt/slides/slide38.xml><?xml version="1.0" encoding="utf-8"?>
+<file path=ppt/slides/slide37.xml><?xml version="1.0" encoding="utf-8"?>
 <p:sld xmlns:a="http://schemas.openxmlformats.org/drawingml/2006/main" xmlns:r="http://schemas.openxmlformats.org/officeDocument/2006/relationships" xmlns:p="http://schemas.openxmlformats.org/presentationml/2006/main">
   <p:cSld>
     <p:spTree>
@@ -17747,14 +17530,14 @@
           <p:nvPr>
             <p:extLst>
               <p:ext uri="{D42A27DB-BD31-4B8C-83A1-F6EECF244321}">
-                <p14:modId xmlns:p14="http://schemas.microsoft.com/office/powerpoint/2010/main" val="3582268603"/>
+                <p14:modId xmlns:p14="http://schemas.microsoft.com/office/powerpoint/2010/main" val="3382759942"/>
               </p:ext>
             </p:extLst>
           </p:nvPr>
         </p:nvGraphicFramePr>
         <p:xfrm>
           <a:off x="646111" y="1447800"/>
-          <a:ext cx="9554700" cy="2743200"/>
+          <a:ext cx="10487326" cy="3291840"/>
         </p:xfrm>
         <a:graphic>
           <a:graphicData uri="http://schemas.openxmlformats.org/drawingml/2006/table">
@@ -17763,14 +17546,14 @@
                 <a:tableStyleId>{2D5ABB26-0587-4C30-8999-92F81FD0307C}</a:tableStyleId>
               </a:tblPr>
               <a:tblGrid>
-                <a:gridCol w="4777350">
+                <a:gridCol w="5243663">
                   <a:extLst>
                     <a:ext uri="{9D8B030D-6E8A-4147-A177-3AD203B41FA5}">
                       <a16:colId xmlns:a16="http://schemas.microsoft.com/office/drawing/2014/main" val="3333684447"/>
                     </a:ext>
                   </a:extLst>
                 </a:gridCol>
-                <a:gridCol w="4777350">
+                <a:gridCol w="5243663">
                   <a:extLst>
                     <a:ext uri="{9D8B030D-6E8A-4147-A177-3AD203B41FA5}">
                       <a16:colId xmlns:a16="http://schemas.microsoft.com/office/drawing/2014/main" val="1650688060"/>
@@ -18651,6 +18434,207 @@
                   </a:ext>
                 </a:extLst>
               </a:tr>
+              <a:tr h="548640">
+                <a:tc>
+                  <a:txBody>
+                    <a:bodyPr/>
+                    <a:lstStyle/>
+                    <a:p>
+                      <a:pPr algn="ctr"/>
+                      <a:r>
+                        <a:rPr lang="zh-CN" altLang="en-US" sz="2400" dirty="0">
+                          <a:solidFill>
+                            <a:schemeClr val="tx1"/>
+                          </a:solidFill>
+                          <a:latin typeface="微软雅黑" panose="020B0503020204020204" pitchFamily="34" charset="-122"/>
+                          <a:ea typeface="微软雅黑" panose="020B0503020204020204" pitchFamily="34" charset="-122"/>
+                        </a:rPr>
+                        <a:t>人员消极怠工</a:t>
+                      </a:r>
+                      <a:endParaRPr lang="en-US" sz="2400" dirty="0">
+                        <a:solidFill>
+                          <a:schemeClr val="tx1"/>
+                        </a:solidFill>
+                        <a:latin typeface="微软雅黑" panose="020B0503020204020204" pitchFamily="34" charset="-122"/>
+                        <a:ea typeface="微软雅黑" panose="020B0503020204020204" pitchFamily="34" charset="-122"/>
+                      </a:endParaRPr>
+                    </a:p>
+                  </a:txBody>
+                  <a:tcPr>
+                    <a:lnL w="12700" cap="flat" cmpd="sng" algn="ctr">
+                      <a:solidFill>
+                        <a:schemeClr val="tx1"/>
+                      </a:solidFill>
+                      <a:prstDash val="solid"/>
+                      <a:round/>
+                      <a:headEnd type="none" w="med" len="med"/>
+                      <a:tailEnd type="none" w="med" len="med"/>
+                    </a:lnL>
+                    <a:lnR w="12700" cap="flat" cmpd="sng" algn="ctr">
+                      <a:solidFill>
+                        <a:schemeClr val="tx1"/>
+                      </a:solidFill>
+                      <a:prstDash val="solid"/>
+                      <a:round/>
+                      <a:headEnd type="none" w="med" len="med"/>
+                      <a:tailEnd type="none" w="med" len="med"/>
+                    </a:lnR>
+                    <a:lnT w="12700" cap="flat" cmpd="sng" algn="ctr">
+                      <a:solidFill>
+                        <a:schemeClr val="tx1"/>
+                      </a:solidFill>
+                      <a:prstDash val="solid"/>
+                      <a:round/>
+                      <a:headEnd type="none" w="med" len="med"/>
+                      <a:tailEnd type="none" w="med" len="med"/>
+                    </a:lnT>
+                    <a:lnB w="12700" cap="flat" cmpd="sng" algn="ctr">
+                      <a:solidFill>
+                        <a:schemeClr val="tx1"/>
+                      </a:solidFill>
+                      <a:prstDash val="solid"/>
+                      <a:round/>
+                      <a:headEnd type="none" w="med" len="med"/>
+                      <a:tailEnd type="none" w="med" len="med"/>
+                    </a:lnB>
+                    <a:noFill/>
+                  </a:tcPr>
+                </a:tc>
+                <a:tc>
+                  <a:txBody>
+                    <a:bodyPr/>
+                    <a:lstStyle/>
+                    <a:p>
+                      <a:pPr marL="0" marR="0" lvl="0" indent="0" algn="ctr" defTabSz="457200" rtl="0" eaLnBrk="1" fontAlgn="auto" latinLnBrk="0" hangingPunct="1">
+                        <a:lnSpc>
+                          <a:spcPct val="100000"/>
+                        </a:lnSpc>
+                        <a:spcBef>
+                          <a:spcPts val="0"/>
+                        </a:spcBef>
+                        <a:spcAft>
+                          <a:spcPts val="0"/>
+                        </a:spcAft>
+                        <a:buClrTx/>
+                        <a:buSzTx/>
+                        <a:buFontTx/>
+                        <a:buNone/>
+                        <a:tabLst/>
+                        <a:defRPr/>
+                      </a:pPr>
+                      <a:r>
+                        <a:rPr kumimoji="0" lang="zh-CN" altLang="en-US" sz="2400" b="0" i="0" u="none" strike="noStrike" kern="1200" cap="none" spc="0" normalizeH="0" baseline="0" noProof="0" dirty="0">
+                          <a:ln>
+                            <a:noFill/>
+                          </a:ln>
+                          <a:solidFill>
+                            <a:schemeClr val="tx1"/>
+                          </a:solidFill>
+                          <a:effectLst/>
+                          <a:uLnTx/>
+                          <a:uFillTx/>
+                          <a:latin typeface="微软雅黑" panose="020B0503020204020204" pitchFamily="34" charset="-122"/>
+                          <a:ea typeface="微软雅黑" panose="020B0503020204020204" pitchFamily="34" charset="-122"/>
+                          <a:cs typeface="+mn-cs"/>
+                        </a:rPr>
+                        <a:t>可能是工作压力大，</a:t>
+                      </a:r>
+                      <a:r>
+                        <a:rPr kumimoji="0" lang="en-US" altLang="zh-CN" sz="2400" b="0" i="0" u="none" strike="noStrike" kern="1200" cap="none" spc="0" normalizeH="0" baseline="0" noProof="0" dirty="0">
+                          <a:ln>
+                            <a:noFill/>
+                          </a:ln>
+                          <a:solidFill>
+                            <a:schemeClr val="tx1"/>
+                          </a:solidFill>
+                          <a:effectLst/>
+                          <a:uLnTx/>
+                          <a:uFillTx/>
+                          <a:latin typeface="微软雅黑" panose="020B0503020204020204" pitchFamily="34" charset="-122"/>
+                          <a:ea typeface="微软雅黑" panose="020B0503020204020204" pitchFamily="34" charset="-122"/>
+                          <a:cs typeface="+mn-cs"/>
+                        </a:rPr>
+                        <a:t>PM</a:t>
+                      </a:r>
+                      <a:r>
+                        <a:rPr kumimoji="0" lang="zh-CN" altLang="en-US" sz="2400" b="0" i="0" u="none" strike="noStrike" kern="1200" cap="none" spc="0" normalizeH="0" baseline="0" noProof="0" dirty="0">
+                          <a:ln>
+                            <a:noFill/>
+                          </a:ln>
+                          <a:solidFill>
+                            <a:schemeClr val="tx1"/>
+                          </a:solidFill>
+                          <a:effectLst/>
+                          <a:uLnTx/>
+                          <a:uFillTx/>
+                          <a:latin typeface="微软雅黑" panose="020B0503020204020204" pitchFamily="34" charset="-122"/>
+                          <a:ea typeface="微软雅黑" panose="020B0503020204020204" pitchFamily="34" charset="-122"/>
+                          <a:cs typeface="+mn-cs"/>
+                        </a:rPr>
+                        <a:t>组织出游</a:t>
+                      </a:r>
+                      <a:endParaRPr kumimoji="0" lang="en-US" sz="2400" b="0" i="0" u="none" strike="noStrike" kern="1200" cap="none" spc="0" normalizeH="0" baseline="0" noProof="0" dirty="0">
+                        <a:ln>
+                          <a:noFill/>
+                        </a:ln>
+                        <a:solidFill>
+                          <a:schemeClr val="tx1"/>
+                        </a:solidFill>
+                        <a:effectLst/>
+                        <a:uLnTx/>
+                        <a:uFillTx/>
+                        <a:latin typeface="微软雅黑" panose="020B0503020204020204" pitchFamily="34" charset="-122"/>
+                        <a:ea typeface="微软雅黑" panose="020B0503020204020204" pitchFamily="34" charset="-122"/>
+                        <a:cs typeface="+mn-cs"/>
+                      </a:endParaRPr>
+                    </a:p>
+                  </a:txBody>
+                  <a:tcPr>
+                    <a:lnL w="12700" cap="flat" cmpd="sng" algn="ctr">
+                      <a:solidFill>
+                        <a:schemeClr val="tx1"/>
+                      </a:solidFill>
+                      <a:prstDash val="solid"/>
+                      <a:round/>
+                      <a:headEnd type="none" w="med" len="med"/>
+                      <a:tailEnd type="none" w="med" len="med"/>
+                    </a:lnL>
+                    <a:lnR w="12700" cap="flat" cmpd="sng" algn="ctr">
+                      <a:solidFill>
+                        <a:schemeClr val="tx1"/>
+                      </a:solidFill>
+                      <a:prstDash val="solid"/>
+                      <a:round/>
+                      <a:headEnd type="none" w="med" len="med"/>
+                      <a:tailEnd type="none" w="med" len="med"/>
+                    </a:lnR>
+                    <a:lnT w="12700" cap="flat" cmpd="sng" algn="ctr">
+                      <a:solidFill>
+                        <a:schemeClr val="tx1"/>
+                      </a:solidFill>
+                      <a:prstDash val="solid"/>
+                      <a:round/>
+                      <a:headEnd type="none" w="med" len="med"/>
+                      <a:tailEnd type="none" w="med" len="med"/>
+                    </a:lnT>
+                    <a:lnB w="12700" cap="flat" cmpd="sng" algn="ctr">
+                      <a:solidFill>
+                        <a:schemeClr val="tx1"/>
+                      </a:solidFill>
+                      <a:prstDash val="solid"/>
+                      <a:round/>
+                      <a:headEnd type="none" w="med" len="med"/>
+                      <a:tailEnd type="none" w="med" len="med"/>
+                    </a:lnB>
+                    <a:noFill/>
+                  </a:tcPr>
+                </a:tc>
+                <a:extLst>
+                  <a:ext uri="{0D108BD9-81ED-4DB2-BD59-A6C34878D82A}">
+                    <a16:rowId xmlns:a16="http://schemas.microsoft.com/office/drawing/2014/main" val="1811933577"/>
+                  </a:ext>
+                </a:extLst>
+              </a:tr>
             </a:tbl>
           </a:graphicData>
         </a:graphic>
